--- a/A Comprehensive Introduction to Artificial Intelligence  - AT Feb2020.pptx
+++ b/A Comprehensive Introduction to Artificial Intelligence  - AT Feb2020.pptx
@@ -3837,6 +3837,40 @@
           </a:p>
         </p:txBody>
       </p:sp>
+      <p:sp>
+        <p:nvSpPr>
+          <p:cNvPr id="5" name="Rectangle 4">
+            <a:extLst>
+              <a:ext uri="{FF2B5EF4-FFF2-40B4-BE49-F238E27FC236}">
+                <a16:creationId xmlns:a16="http://schemas.microsoft.com/office/drawing/2014/main" id="{58E29EB9-5ECD-4FDC-8B97-6CE51F9B47DD}"/>
+              </a:ext>
+            </a:extLst>
+          </p:cNvPr>
+          <p:cNvSpPr/>
+          <p:nvPr/>
+        </p:nvSpPr>
+        <p:spPr>
+          <a:xfrm>
+            <a:off x="956082" y="6444476"/>
+            <a:ext cx="1990318" cy="276999"/>
+          </a:xfrm>
+          <a:prstGeom prst="rect">
+            <a:avLst/>
+          </a:prstGeom>
+        </p:spPr>
+        <p:txBody>
+          <a:bodyPr wrap="square">
+            <a:spAutoFit/>
+          </a:bodyPr>
+          <a:lstStyle/>
+          <a:p>
+            <a:r>
+              <a:rPr lang="en-AU" sz="1200" dirty="0"/>
+              <a:t>Copyright 2020 Andrei Tour</a:t>
+            </a:r>
+          </a:p>
+        </p:txBody>
+      </p:sp>
     </p:spTree>
     <p:extLst>
       <p:ext uri="{BB962C8B-B14F-4D97-AF65-F5344CB8AC3E}">
@@ -4450,6 +4484,40 @@
                 <a:cs typeface="Arial" panose="020B0604020202020204" pitchFamily="34" charset="0"/>
               </a:rPr>
               <a:t>, ca. 1970]</a:t>
+            </a:r>
+          </a:p>
+        </p:txBody>
+      </p:sp>
+      <p:sp>
+        <p:nvSpPr>
+          <p:cNvPr id="7" name="Rectangle 6">
+            <a:extLst>
+              <a:ext uri="{FF2B5EF4-FFF2-40B4-BE49-F238E27FC236}">
+                <a16:creationId xmlns:a16="http://schemas.microsoft.com/office/drawing/2014/main" id="{26C44E26-B8B5-4480-B6E8-2A400A5349B8}"/>
+              </a:ext>
+            </a:extLst>
+          </p:cNvPr>
+          <p:cNvSpPr/>
+          <p:nvPr/>
+        </p:nvSpPr>
+        <p:spPr>
+          <a:xfrm>
+            <a:off x="956082" y="6444476"/>
+            <a:ext cx="1990318" cy="276999"/>
+          </a:xfrm>
+          <a:prstGeom prst="rect">
+            <a:avLst/>
+          </a:prstGeom>
+        </p:spPr>
+        <p:txBody>
+          <a:bodyPr wrap="square">
+            <a:spAutoFit/>
+          </a:bodyPr>
+          <a:lstStyle/>
+          <a:p>
+            <a:r>
+              <a:rPr lang="en-AU" sz="1200" dirty="0"/>
+              <a:t>Copyright 2020 Andrei Tour</a:t>
             </a:r>
           </a:p>
         </p:txBody>
@@ -5200,6 +5268,40 @@
           </a:p>
         </p:txBody>
       </p:sp>
+      <p:sp>
+        <p:nvSpPr>
+          <p:cNvPr id="10" name="Rectangle 9">
+            <a:extLst>
+              <a:ext uri="{FF2B5EF4-FFF2-40B4-BE49-F238E27FC236}">
+                <a16:creationId xmlns:a16="http://schemas.microsoft.com/office/drawing/2014/main" id="{C15DB9A2-B8C5-4BAE-BCFF-F68D125DAEFD}"/>
+              </a:ext>
+            </a:extLst>
+          </p:cNvPr>
+          <p:cNvSpPr/>
+          <p:nvPr/>
+        </p:nvSpPr>
+        <p:spPr>
+          <a:xfrm>
+            <a:off x="956082" y="6444476"/>
+            <a:ext cx="1990318" cy="276999"/>
+          </a:xfrm>
+          <a:prstGeom prst="rect">
+            <a:avLst/>
+          </a:prstGeom>
+        </p:spPr>
+        <p:txBody>
+          <a:bodyPr wrap="square">
+            <a:spAutoFit/>
+          </a:bodyPr>
+          <a:lstStyle/>
+          <a:p>
+            <a:r>
+              <a:rPr lang="en-AU" sz="1200" dirty="0"/>
+              <a:t>Copyright 2020 Andrei Tour</a:t>
+            </a:r>
+          </a:p>
+        </p:txBody>
+      </p:sp>
     </p:spTree>
     <p:extLst>
       <p:ext uri="{BB962C8B-B14F-4D97-AF65-F5344CB8AC3E}">
@@ -5859,7 +5961,7 @@
         </p:nvSpPr>
         <p:spPr>
           <a:xfrm>
-            <a:off x="1101303" y="3750221"/>
+            <a:off x="1101303" y="3546006"/>
             <a:ext cx="4611340" cy="1477328"/>
           </a:xfrm>
           <a:prstGeom prst="rect">
@@ -5901,7 +6003,7 @@
         </p:nvSpPr>
         <p:spPr>
           <a:xfrm>
-            <a:off x="6721311" y="3750221"/>
+            <a:off x="6721311" y="3653826"/>
             <a:ext cx="4496586" cy="1477328"/>
           </a:xfrm>
           <a:prstGeom prst="rect">
@@ -5935,8 +6037,8 @@
         </p:nvSpPr>
         <p:spPr>
           <a:xfrm>
-            <a:off x="1101303" y="5374925"/>
-            <a:ext cx="2961650" cy="1200329"/>
+            <a:off x="1101303" y="5272240"/>
+            <a:ext cx="4215764" cy="923330"/>
           </a:xfrm>
           <a:prstGeom prst="rect">
             <a:avLst/>
@@ -5967,13 +6069,7 @@
           <a:p>
             <a:r>
               <a:rPr lang="en-AU" dirty="0"/>
-              <a:t>Customer service bots,</a:t>
-            </a:r>
-          </a:p>
-          <a:p>
-            <a:r>
-              <a:rPr lang="en-AU" dirty="0"/>
-              <a:t>Email spam filters.</a:t>
+              <a:t>Customer service bots, Email spam filters.</a:t>
             </a:r>
           </a:p>
         </p:txBody>
@@ -5992,7 +6088,7 @@
         </p:nvSpPr>
         <p:spPr>
           <a:xfrm>
-            <a:off x="6721311" y="5374925"/>
+            <a:off x="6721311" y="5272240"/>
             <a:ext cx="4369386" cy="646331"/>
           </a:xfrm>
           <a:prstGeom prst="rect">
@@ -6078,6 +6174,40 @@
           </a:p>
         </p:txBody>
       </p:sp>
+      <p:sp>
+        <p:nvSpPr>
+          <p:cNvPr id="17" name="Rectangle 16">
+            <a:extLst>
+              <a:ext uri="{FF2B5EF4-FFF2-40B4-BE49-F238E27FC236}">
+                <a16:creationId xmlns:a16="http://schemas.microsoft.com/office/drawing/2014/main" id="{C891BD7B-D45B-449F-90AD-F1A5BEFB0481}"/>
+              </a:ext>
+            </a:extLst>
+          </p:cNvPr>
+          <p:cNvSpPr/>
+          <p:nvPr/>
+        </p:nvSpPr>
+        <p:spPr>
+          <a:xfrm>
+            <a:off x="956082" y="6444476"/>
+            <a:ext cx="1990318" cy="276999"/>
+          </a:xfrm>
+          <a:prstGeom prst="rect">
+            <a:avLst/>
+          </a:prstGeom>
+        </p:spPr>
+        <p:txBody>
+          <a:bodyPr wrap="square">
+            <a:spAutoFit/>
+          </a:bodyPr>
+          <a:lstStyle/>
+          <a:p>
+            <a:r>
+              <a:rPr lang="en-AU" sz="1200" dirty="0"/>
+              <a:t>Copyright 2020 Andrei Tour</a:t>
+            </a:r>
+          </a:p>
+        </p:txBody>
+      </p:sp>
     </p:spTree>
     <p:extLst>
       <p:ext uri="{BB962C8B-B14F-4D97-AF65-F5344CB8AC3E}">
@@ -6515,6 +6645,40 @@
           </a:prstGeom>
         </p:spPr>
       </p:pic>
+      <p:sp>
+        <p:nvSpPr>
+          <p:cNvPr id="6" name="Rectangle 5">
+            <a:extLst>
+              <a:ext uri="{FF2B5EF4-FFF2-40B4-BE49-F238E27FC236}">
+                <a16:creationId xmlns:a16="http://schemas.microsoft.com/office/drawing/2014/main" id="{FFB4B866-C614-43CC-8D4C-645AD0089949}"/>
+              </a:ext>
+            </a:extLst>
+          </p:cNvPr>
+          <p:cNvSpPr/>
+          <p:nvPr/>
+        </p:nvSpPr>
+        <p:spPr>
+          <a:xfrm>
+            <a:off x="956082" y="6444476"/>
+            <a:ext cx="1990318" cy="276999"/>
+          </a:xfrm>
+          <a:prstGeom prst="rect">
+            <a:avLst/>
+          </a:prstGeom>
+        </p:spPr>
+        <p:txBody>
+          <a:bodyPr wrap="square">
+            <a:spAutoFit/>
+          </a:bodyPr>
+          <a:lstStyle/>
+          <a:p>
+            <a:r>
+              <a:rPr lang="en-AU" sz="1200" dirty="0"/>
+              <a:t>Copyright 2020 Andrei Tour</a:t>
+            </a:r>
+          </a:p>
+        </p:txBody>
+      </p:sp>
     </p:spTree>
     <p:extLst>
       <p:ext uri="{BB962C8B-B14F-4D97-AF65-F5344CB8AC3E}">
@@ -6900,7 +7064,7 @@
         </p:nvSpPr>
         <p:spPr>
           <a:xfrm>
-            <a:off x="8526710" y="6834522"/>
+            <a:off x="8800039" y="6492875"/>
             <a:ext cx="2743200" cy="365125"/>
           </a:xfrm>
         </p:spPr>
@@ -6912,7 +7076,7 @@
               <a:rPr lang="en-AU" smtClean="0"/>
               <a:t>14</a:t>
             </a:fld>
-            <a:endParaRPr lang="en-AU"/>
+            <a:endParaRPr lang="en-AU" dirty="0"/>
           </a:p>
         </p:txBody>
       </p:sp>
@@ -8723,6 +8887,40 @@
           <a:p>
             <a:pPr algn="ctr"/>
             <a:endParaRPr lang="en-AU"/>
+          </a:p>
+        </p:txBody>
+      </p:sp>
+      <p:sp>
+        <p:nvSpPr>
+          <p:cNvPr id="57" name="Rectangle 56">
+            <a:extLst>
+              <a:ext uri="{FF2B5EF4-FFF2-40B4-BE49-F238E27FC236}">
+                <a16:creationId xmlns:a16="http://schemas.microsoft.com/office/drawing/2014/main" id="{4D246DAC-E63A-4576-BF7C-CEDAF105246E}"/>
+              </a:ext>
+            </a:extLst>
+          </p:cNvPr>
+          <p:cNvSpPr/>
+          <p:nvPr/>
+        </p:nvSpPr>
+        <p:spPr>
+          <a:xfrm>
+            <a:off x="8271282" y="6546120"/>
+            <a:ext cx="1990318" cy="276999"/>
+          </a:xfrm>
+          <a:prstGeom prst="rect">
+            <a:avLst/>
+          </a:prstGeom>
+        </p:spPr>
+        <p:txBody>
+          <a:bodyPr wrap="square">
+            <a:spAutoFit/>
+          </a:bodyPr>
+          <a:lstStyle/>
+          <a:p>
+            <a:r>
+              <a:rPr lang="en-AU" sz="1200" dirty="0"/>
+              <a:t>Copyright 2020 Andrei Tour</a:t>
+            </a:r>
           </a:p>
         </p:txBody>
       </p:sp>
@@ -9105,7 +9303,7 @@
         </p:nvSpPr>
         <p:spPr>
           <a:xfrm>
-            <a:off x="8526710" y="6834522"/>
+            <a:off x="8704376" y="6426000"/>
             <a:ext cx="2743200" cy="365125"/>
           </a:xfrm>
         </p:spPr>
@@ -9117,7 +9315,7 @@
               <a:rPr lang="en-AU" smtClean="0"/>
               <a:t>15</a:t>
             </a:fld>
-            <a:endParaRPr lang="en-AU"/>
+            <a:endParaRPr lang="en-AU" dirty="0"/>
           </a:p>
         </p:txBody>
       </p:sp>
@@ -13173,7 +13371,41 @@
               <a:rPr lang="en-AU" smtClean="0"/>
               <a:t>2</a:t>
             </a:fld>
-            <a:endParaRPr lang="en-AU"/>
+            <a:endParaRPr lang="en-AU" dirty="0"/>
+          </a:p>
+        </p:txBody>
+      </p:sp>
+      <p:sp>
+        <p:nvSpPr>
+          <p:cNvPr id="2" name="Rectangle 1">
+            <a:extLst>
+              <a:ext uri="{FF2B5EF4-FFF2-40B4-BE49-F238E27FC236}">
+                <a16:creationId xmlns:a16="http://schemas.microsoft.com/office/drawing/2014/main" id="{B991D071-44D7-4AB0-B4E2-A96FA22305F1}"/>
+              </a:ext>
+            </a:extLst>
+          </p:cNvPr>
+          <p:cNvSpPr/>
+          <p:nvPr/>
+        </p:nvSpPr>
+        <p:spPr>
+          <a:xfrm>
+            <a:off x="956082" y="6444476"/>
+            <a:ext cx="1990318" cy="276999"/>
+          </a:xfrm>
+          <a:prstGeom prst="rect">
+            <a:avLst/>
+          </a:prstGeom>
+        </p:spPr>
+        <p:txBody>
+          <a:bodyPr wrap="square">
+            <a:spAutoFit/>
+          </a:bodyPr>
+          <a:lstStyle/>
+          <a:p>
+            <a:r>
+              <a:rPr lang="en-AU" sz="1200" dirty="0"/>
+              <a:t>Copyright 2020 Andrei Tour</a:t>
+            </a:r>
           </a:p>
         </p:txBody>
       </p:sp>
@@ -20437,6 +20669,40 @@
               <a:t>3</a:t>
             </a:fld>
             <a:endParaRPr lang="en-AU"/>
+          </a:p>
+        </p:txBody>
+      </p:sp>
+      <p:sp>
+        <p:nvSpPr>
+          <p:cNvPr id="5" name="Rectangle 4">
+            <a:extLst>
+              <a:ext uri="{FF2B5EF4-FFF2-40B4-BE49-F238E27FC236}">
+                <a16:creationId xmlns:a16="http://schemas.microsoft.com/office/drawing/2014/main" id="{7C8BA7C9-0380-4591-B7E2-D942D9B2A64F}"/>
+              </a:ext>
+            </a:extLst>
+          </p:cNvPr>
+          <p:cNvSpPr/>
+          <p:nvPr/>
+        </p:nvSpPr>
+        <p:spPr>
+          <a:xfrm>
+            <a:off x="956082" y="6444476"/>
+            <a:ext cx="1990318" cy="276999"/>
+          </a:xfrm>
+          <a:prstGeom prst="rect">
+            <a:avLst/>
+          </a:prstGeom>
+        </p:spPr>
+        <p:txBody>
+          <a:bodyPr wrap="square">
+            <a:spAutoFit/>
+          </a:bodyPr>
+          <a:lstStyle/>
+          <a:p>
+            <a:r>
+              <a:rPr lang="en-AU" sz="1200" dirty="0"/>
+              <a:t>Copyright 2020 Andrei Tour</a:t>
+            </a:r>
           </a:p>
         </p:txBody>
       </p:sp>
@@ -29117,6 +29383,40 @@
           </a:prstGeom>
         </p:spPr>
       </p:pic>
+      <p:sp>
+        <p:nvSpPr>
+          <p:cNvPr id="13" name="Rectangle 12">
+            <a:extLst>
+              <a:ext uri="{FF2B5EF4-FFF2-40B4-BE49-F238E27FC236}">
+                <a16:creationId xmlns:a16="http://schemas.microsoft.com/office/drawing/2014/main" id="{B34741F3-00E6-4272-8A96-CC26767AF84E}"/>
+              </a:ext>
+            </a:extLst>
+          </p:cNvPr>
+          <p:cNvSpPr/>
+          <p:nvPr/>
+        </p:nvSpPr>
+        <p:spPr>
+          <a:xfrm>
+            <a:off x="956082" y="6444476"/>
+            <a:ext cx="1990318" cy="276999"/>
+          </a:xfrm>
+          <a:prstGeom prst="rect">
+            <a:avLst/>
+          </a:prstGeom>
+        </p:spPr>
+        <p:txBody>
+          <a:bodyPr wrap="square">
+            <a:spAutoFit/>
+          </a:bodyPr>
+          <a:lstStyle/>
+          <a:p>
+            <a:r>
+              <a:rPr lang="en-AU" sz="1200" dirty="0"/>
+              <a:t>Copyright 2020 Andrei Tour</a:t>
+            </a:r>
+          </a:p>
+        </p:txBody>
+      </p:sp>
     </p:spTree>
     <p:extLst>
       <p:ext uri="{BB962C8B-B14F-4D97-AF65-F5344CB8AC3E}">
@@ -36593,6 +36893,40 @@
           </a:prstGeom>
         </p:spPr>
       </p:pic>
+      <p:sp>
+        <p:nvSpPr>
+          <p:cNvPr id="13" name="Rectangle 12">
+            <a:extLst>
+              <a:ext uri="{FF2B5EF4-FFF2-40B4-BE49-F238E27FC236}">
+                <a16:creationId xmlns:a16="http://schemas.microsoft.com/office/drawing/2014/main" id="{0B98BD5F-BFB0-4358-BB17-0ABF100C318B}"/>
+              </a:ext>
+            </a:extLst>
+          </p:cNvPr>
+          <p:cNvSpPr/>
+          <p:nvPr/>
+        </p:nvSpPr>
+        <p:spPr>
+          <a:xfrm>
+            <a:off x="956082" y="6444476"/>
+            <a:ext cx="1990318" cy="276999"/>
+          </a:xfrm>
+          <a:prstGeom prst="rect">
+            <a:avLst/>
+          </a:prstGeom>
+        </p:spPr>
+        <p:txBody>
+          <a:bodyPr wrap="square">
+            <a:spAutoFit/>
+          </a:bodyPr>
+          <a:lstStyle/>
+          <a:p>
+            <a:r>
+              <a:rPr lang="en-AU" sz="1200" dirty="0"/>
+              <a:t>Copyright 2020 Andrei Tour</a:t>
+            </a:r>
+          </a:p>
+        </p:txBody>
+      </p:sp>
     </p:spTree>
     <p:extLst>
       <p:ext uri="{BB962C8B-B14F-4D97-AF65-F5344CB8AC3E}">
@@ -37518,6 +37852,40 @@
           </a:p>
         </p:txBody>
       </p:sp>
+      <p:sp>
+        <p:nvSpPr>
+          <p:cNvPr id="15" name="Rectangle 14">
+            <a:extLst>
+              <a:ext uri="{FF2B5EF4-FFF2-40B4-BE49-F238E27FC236}">
+                <a16:creationId xmlns:a16="http://schemas.microsoft.com/office/drawing/2014/main" id="{3456ABC7-9D90-4793-987A-76E283E6F6B8}"/>
+              </a:ext>
+            </a:extLst>
+          </p:cNvPr>
+          <p:cNvSpPr/>
+          <p:nvPr/>
+        </p:nvSpPr>
+        <p:spPr>
+          <a:xfrm>
+            <a:off x="956082" y="6444476"/>
+            <a:ext cx="1990318" cy="276999"/>
+          </a:xfrm>
+          <a:prstGeom prst="rect">
+            <a:avLst/>
+          </a:prstGeom>
+        </p:spPr>
+        <p:txBody>
+          <a:bodyPr wrap="square">
+            <a:spAutoFit/>
+          </a:bodyPr>
+          <a:lstStyle/>
+          <a:p>
+            <a:r>
+              <a:rPr lang="en-AU" sz="1200" dirty="0"/>
+              <a:t>Copyright 2020 Andrei Tour</a:t>
+            </a:r>
+          </a:p>
+        </p:txBody>
+      </p:sp>
     </p:spTree>
     <p:extLst>
       <p:ext uri="{BB962C8B-B14F-4D97-AF65-F5344CB8AC3E}">
@@ -38557,6 +38925,40 @@
           </a:p>
         </p:txBody>
       </p:sp>
+      <p:sp>
+        <p:nvSpPr>
+          <p:cNvPr id="19" name="Rectangle 18">
+            <a:extLst>
+              <a:ext uri="{FF2B5EF4-FFF2-40B4-BE49-F238E27FC236}">
+                <a16:creationId xmlns:a16="http://schemas.microsoft.com/office/drawing/2014/main" id="{D592B340-7AFE-4EF3-AE7C-5EA6B341178A}"/>
+              </a:ext>
+            </a:extLst>
+          </p:cNvPr>
+          <p:cNvSpPr/>
+          <p:nvPr/>
+        </p:nvSpPr>
+        <p:spPr>
+          <a:xfrm>
+            <a:off x="956082" y="6444476"/>
+            <a:ext cx="1990318" cy="276999"/>
+          </a:xfrm>
+          <a:prstGeom prst="rect">
+            <a:avLst/>
+          </a:prstGeom>
+        </p:spPr>
+        <p:txBody>
+          <a:bodyPr wrap="square">
+            <a:spAutoFit/>
+          </a:bodyPr>
+          <a:lstStyle/>
+          <a:p>
+            <a:r>
+              <a:rPr lang="en-AU" sz="1200" dirty="0"/>
+              <a:t>Copyright 2020 Andrei Tour</a:t>
+            </a:r>
+          </a:p>
+        </p:txBody>
+      </p:sp>
     </p:spTree>
     <p:extLst>
       <p:ext uri="{BB962C8B-B14F-4D97-AF65-F5344CB8AC3E}">
@@ -39230,6 +39632,40 @@
             <a:r>
               <a:rPr lang="en-AU" dirty="0"/>
               <a:t>and its opposites?</a:t>
+            </a:r>
+          </a:p>
+        </p:txBody>
+      </p:sp>
+      <p:sp>
+        <p:nvSpPr>
+          <p:cNvPr id="10" name="Rectangle 9">
+            <a:extLst>
+              <a:ext uri="{FF2B5EF4-FFF2-40B4-BE49-F238E27FC236}">
+                <a16:creationId xmlns:a16="http://schemas.microsoft.com/office/drawing/2014/main" id="{3999FA66-40FE-4F57-B279-4DC0D2BE4E40}"/>
+              </a:ext>
+            </a:extLst>
+          </p:cNvPr>
+          <p:cNvSpPr/>
+          <p:nvPr/>
+        </p:nvSpPr>
+        <p:spPr>
+          <a:xfrm>
+            <a:off x="956082" y="6444476"/>
+            <a:ext cx="1990318" cy="276999"/>
+          </a:xfrm>
+          <a:prstGeom prst="rect">
+            <a:avLst/>
+          </a:prstGeom>
+        </p:spPr>
+        <p:txBody>
+          <a:bodyPr wrap="square">
+            <a:spAutoFit/>
+          </a:bodyPr>
+          <a:lstStyle/>
+          <a:p>
+            <a:r>
+              <a:rPr lang="en-AU" sz="1200" dirty="0"/>
+              <a:t>Copyright 2020 Andrei Tour</a:t>
             </a:r>
           </a:p>
         </p:txBody>
@@ -40027,6 +40463,40 @@
             <a:r>
               <a:rPr lang="en-AU" dirty="0"/>
               <a:t>?</a:t>
+            </a:r>
+          </a:p>
+        </p:txBody>
+      </p:sp>
+      <p:sp>
+        <p:nvSpPr>
+          <p:cNvPr id="10" name="Rectangle 9">
+            <a:extLst>
+              <a:ext uri="{FF2B5EF4-FFF2-40B4-BE49-F238E27FC236}">
+                <a16:creationId xmlns:a16="http://schemas.microsoft.com/office/drawing/2014/main" id="{38D0538D-2FCB-4A24-B5B5-2ACD34C6144C}"/>
+              </a:ext>
+            </a:extLst>
+          </p:cNvPr>
+          <p:cNvSpPr/>
+          <p:nvPr/>
+        </p:nvSpPr>
+        <p:spPr>
+          <a:xfrm>
+            <a:off x="956082" y="6444476"/>
+            <a:ext cx="1990318" cy="276999"/>
+          </a:xfrm>
+          <a:prstGeom prst="rect">
+            <a:avLst/>
+          </a:prstGeom>
+        </p:spPr>
+        <p:txBody>
+          <a:bodyPr wrap="square">
+            <a:spAutoFit/>
+          </a:bodyPr>
+          <a:lstStyle/>
+          <a:p>
+            <a:r>
+              <a:rPr lang="en-AU" sz="1200" dirty="0"/>
+              <a:t>Copyright 2020 Andrei Tour</a:t>
             </a:r>
           </a:p>
         </p:txBody>
